--- a/PreLet Software Productions.pptx
+++ b/PreLet Software Productions.pptx
@@ -8311,11 +8311,7 @@
           <a:p>
             <a:r>
               <a:rPr lang="de-DE" dirty="0"/>
-              <a:t>Fabian Preuer und Florian </a:t>
-            </a:r>
-            <a:r>
-              <a:rPr lang="de-DE" dirty="0" err="1"/>
-              <a:t>Lettenbichler</a:t>
+              <a:t>Fabian Preuer und Florian Lettenbichler</a:t>
             </a:r>
             <a:endParaRPr lang="de-AT" dirty="0"/>
           </a:p>
@@ -8902,39 +8898,74 @@
             <p:ph idx="1"/>
           </p:nvPr>
         </p:nvSpPr>
-        <p:spPr/>
+        <p:spPr>
+          <a:xfrm>
+            <a:off x="3082259" y="2011214"/>
+            <a:ext cx="7646701" cy="4150199"/>
+          </a:xfrm>
+        </p:spPr>
         <p:txBody>
-          <a:bodyPr/>
+          <a:bodyPr>
+            <a:normAutofit lnSpcReduction="10000"/>
+          </a:bodyPr>
           <a:lstStyle/>
           <a:p>
             <a:r>
               <a:rPr lang="de-DE" dirty="0"/>
-              <a:t>Wer ist wofür in der Firma zuständig?</a:t>
+              <a:t>Lead-Developer Frontend und Founder Florian Lettenbichler </a:t>
             </a:r>
           </a:p>
           <a:p>
             <a:r>
               <a:rPr lang="de-DE" dirty="0"/>
-              <a:t>Haben wir Mitarbeiter? ( Wie Viele ? )</a:t>
+              <a:t>Lead-Developer Backend und Founder Fabian Preuer</a:t>
             </a:r>
           </a:p>
           <a:p>
             <a:r>
               <a:rPr lang="de-DE" dirty="0"/>
-              <a:t>Möchten wir mehr Mitarbeiter?</a:t>
+              <a:t>Flache Hierarchien sind Core Values</a:t>
             </a:r>
           </a:p>
           <a:p>
             <a:r>
               <a:rPr lang="de-DE" dirty="0"/>
-              <a:t>Wir bilden KEINE Lehrlinge aus!</a:t>
-            </a:r>
-          </a:p>
-          <a:p>
+              <a:t>Insgesamt acht Personen</a:t>
+            </a:r>
+          </a:p>
+          <a:p>
+            <a:pPr lvl="1"/>
             <a:r>
               <a:rPr lang="de-DE" dirty="0"/>
-              <a:t>Was wollen wir in 5 Jahren erreichen?</a:t>
-            </a:r>
+              <a:t>Wir inkl. sechs Angestellten</a:t>
+            </a:r>
+          </a:p>
+          <a:p>
+            <a:r>
+              <a:rPr lang="de-DE" dirty="0"/>
+              <a:t>Teamgröße wurde optimal an SCRUM angepasst</a:t>
+            </a:r>
+          </a:p>
+          <a:p>
+            <a:r>
+              <a:rPr lang="de-DE" dirty="0"/>
+              <a:t>Unser Betrieb bildet noch keine Lehrlinge aus</a:t>
+            </a:r>
+          </a:p>
+          <a:p>
+            <a:r>
+              <a:rPr lang="de-DE" dirty="0"/>
+              <a:t>Unser Ziel in fünf Jahren ist Marktführer im Bereich Web-</a:t>
+            </a:r>
+            <a:r>
+              <a:rPr lang="de-DE" dirty="0" err="1"/>
+              <a:t>Applications</a:t>
+            </a:r>
+            <a:r>
+              <a:rPr lang="de-DE"/>
+              <a:t> zu sein</a:t>
+            </a:r>
+            <a:endParaRPr lang="de-DE" dirty="0"/>
           </a:p>
           <a:p>
             <a:endParaRPr lang="de-AT" dirty="0"/>
@@ -8971,6 +9002,42 @@
           <a:xfrm>
             <a:off x="9691032" y="1853754"/>
             <a:ext cx="2500968" cy="3334624"/>
+          </a:xfrm>
+          <a:prstGeom prst="rect">
+            <a:avLst/>
+          </a:prstGeom>
+        </p:spPr>
+      </p:pic>
+      <p:pic>
+        <p:nvPicPr>
+          <p:cNvPr id="6" name="Grafik 5">
+            <a:extLst>
+              <a:ext uri="{FF2B5EF4-FFF2-40B4-BE49-F238E27FC236}">
+                <a16:creationId xmlns:a16="http://schemas.microsoft.com/office/drawing/2014/main" id="{B02C5423-6A61-416E-B1EE-58F856F3530E}"/>
+              </a:ext>
+            </a:extLst>
+          </p:cNvPr>
+          <p:cNvPicPr>
+            <a:picLocks noChangeAspect="1"/>
+          </p:cNvPicPr>
+          <p:nvPr/>
+        </p:nvPicPr>
+        <p:blipFill>
+          <a:blip r:embed="rId3">
+            <a:extLst>
+              <a:ext uri="{28A0092B-C50C-407E-A947-70E740481C1C}">
+                <a14:useLocalDpi xmlns:a14="http://schemas.microsoft.com/office/drawing/2010/main" val="0"/>
+              </a:ext>
+            </a:extLst>
+          </a:blip>
+          <a:stretch>
+            <a:fillRect/>
+          </a:stretch>
+        </p:blipFill>
+        <p:spPr>
+          <a:xfrm>
+            <a:off x="0" y="1853754"/>
+            <a:ext cx="2764089" cy="3334624"/>
           </a:xfrm>
           <a:prstGeom prst="rect">
             <a:avLst/>
@@ -9057,7 +9124,52 @@
           <a:bodyPr/>
           <a:lstStyle/>
           <a:p>
-            <a:endParaRPr lang="de-AT"/>
+            <a:r>
+              <a:rPr lang="de-DE" dirty="0"/>
+              <a:t>Im Jänner 2021 Gegründet von Fabian Preuer und Florian Lettenbichler</a:t>
+            </a:r>
+          </a:p>
+          <a:p>
+            <a:r>
+              <a:rPr lang="de-DE" dirty="0"/>
+              <a:t>Erhalt Jungunternehmer Award 2021 für Innovativstes Start Up</a:t>
+            </a:r>
+          </a:p>
+          <a:p>
+            <a:r>
+              <a:rPr lang="de-DE" dirty="0"/>
+              <a:t>Firmensitz in 4853 Steinbach am Attersee, </a:t>
+            </a:r>
+            <a:r>
+              <a:rPr lang="de-DE" dirty="0" err="1"/>
+              <a:t>Oberfeichten</a:t>
+            </a:r>
+            <a:r>
+              <a:rPr lang="de-DE" dirty="0"/>
+              <a:t> 14 </a:t>
+            </a:r>
+          </a:p>
+          <a:p>
+            <a:r>
+              <a:rPr lang="de-DE" dirty="0"/>
+              <a:t>Zwei-Mann-Unternehmensgründung</a:t>
+            </a:r>
+          </a:p>
+          <a:p>
+            <a:pPr lvl="1"/>
+            <a:r>
+              <a:rPr lang="de-DE" dirty="0"/>
+              <a:t>Im ersten Jahr sechs neue Mitarbeiter</a:t>
+            </a:r>
+          </a:p>
+          <a:p>
+            <a:r>
+              <a:rPr lang="de-DE" dirty="0"/>
+              <a:t>Unsere Mission ist dynamische Software zu entwickeln</a:t>
+            </a:r>
+          </a:p>
+          <a:p>
+            <a:endParaRPr lang="de-AT" dirty="0"/>
           </a:p>
         </p:txBody>
       </p:sp>
@@ -9794,23 +9906,6 @@
 </file>
 
 <file path=customXml/item1.xml><?xml version="1.0" encoding="utf-8"?>
-<p:properties xmlns:p="http://schemas.microsoft.com/office/2006/metadata/properties" xmlns:xsi="http://www.w3.org/2001/XMLSchema-instance" xmlns:pc="http://schemas.microsoft.com/office/infopath/2007/PartnerControls">
-  <documentManagement>
-    <_activity xmlns="ba0413fe-f7ed-4f31-86b3-604f36c8969b" xsi:nil="true"/>
-  </documentManagement>
-</p:properties>
-</file>
-
-<file path=customXml/item2.xml><?xml version="1.0" encoding="utf-8"?>
-<?mso-contentType ?>
-<FormTemplates xmlns="http://schemas.microsoft.com/sharepoint/v3/contenttype/forms">
-  <Display>DocumentLibraryForm</Display>
-  <Edit>DocumentLibraryForm</Edit>
-  <New>DocumentLibraryForm</New>
-</FormTemplates>
-</file>
-
-<file path=customXml/item3.xml><?xml version="1.0" encoding="utf-8"?>
 <ct:contentTypeSchema xmlns:ct="http://schemas.microsoft.com/office/2006/metadata/contentType" xmlns:ma="http://schemas.microsoft.com/office/2006/metadata/properties/metaAttributes" ct:_="" ma:_="" ma:contentTypeName="Dokument" ma:contentTypeID="0x0101005262679034210E43A05A4B209DCA2DCB" ma:contentTypeVersion="9" ma:contentTypeDescription="Ein neues Dokument erstellen." ma:contentTypeScope="" ma:versionID="81354fbcd8c938ef17bb695ce8a30bec">
   <xsd:schema xmlns:xsd="http://www.w3.org/2001/XMLSchema" xmlns:xs="http://www.w3.org/2001/XMLSchema" xmlns:p="http://schemas.microsoft.com/office/2006/metadata/properties" xmlns:ns3="ba0413fe-f7ed-4f31-86b3-604f36c8969b" xmlns:ns4="92dda3c8-4091-4562-8eec-6722f66cd08c" targetNamespace="http://schemas.microsoft.com/office/2006/metadata/properties" ma:root="true" ma:fieldsID="dc2d29c9dde395e4f4c4da8126613a42" ns3:_="" ns4:_="">
     <xsd:import namespace="ba0413fe-f7ed-4f31-86b3-604f36c8969b"/>
@@ -10005,32 +10100,24 @@
 </ct:contentTypeSchema>
 </file>
 
-<file path=customXml/itemProps1.xml><?xml version="1.0" encoding="utf-8"?>
-<ds:datastoreItem xmlns:ds="http://schemas.openxmlformats.org/officeDocument/2006/customXml" ds:itemID="{24DF5C8C-DA56-47FB-8D30-F2B916ED1667}">
-  <ds:schemaRefs>
-    <ds:schemaRef ds:uri="http://schemas.microsoft.com/office/infopath/2007/PartnerControls"/>
-    <ds:schemaRef ds:uri="http://purl.org/dc/elements/1.1/"/>
-    <ds:schemaRef ds:uri="ba0413fe-f7ed-4f31-86b3-604f36c8969b"/>
-    <ds:schemaRef ds:uri="http://www.w3.org/XML/1998/namespace"/>
-    <ds:schemaRef ds:uri="92dda3c8-4091-4562-8eec-6722f66cd08c"/>
-    <ds:schemaRef ds:uri="http://purl.org/dc/dcmitype/"/>
-    <ds:schemaRef ds:uri="http://schemas.openxmlformats.org/package/2006/metadata/core-properties"/>
-    <ds:schemaRef ds:uri="http://schemas.microsoft.com/office/2006/documentManagement/types"/>
-    <ds:schemaRef ds:uri="http://schemas.microsoft.com/office/2006/metadata/properties"/>
-    <ds:schemaRef ds:uri="http://purl.org/dc/terms/"/>
-  </ds:schemaRefs>
-</ds:datastoreItem>
+<file path=customXml/item2.xml><?xml version="1.0" encoding="utf-8"?>
+<?mso-contentType ?>
+<FormTemplates xmlns="http://schemas.microsoft.com/sharepoint/v3/contenttype/forms">
+  <Display>DocumentLibraryForm</Display>
+  <Edit>DocumentLibraryForm</Edit>
+  <New>DocumentLibraryForm</New>
+</FormTemplates>
 </file>
 
-<file path=customXml/itemProps2.xml><?xml version="1.0" encoding="utf-8"?>
-<ds:datastoreItem xmlns:ds="http://schemas.openxmlformats.org/officeDocument/2006/customXml" ds:itemID="{726645DE-732E-459D-90DF-0504FD0086F1}">
-  <ds:schemaRefs>
-    <ds:schemaRef ds:uri="http://schemas.microsoft.com/sharepoint/v3/contenttype/forms"/>
-  </ds:schemaRefs>
-</ds:datastoreItem>
+<file path=customXml/item3.xml><?xml version="1.0" encoding="utf-8"?>
+<p:properties xmlns:p="http://schemas.microsoft.com/office/2006/metadata/properties" xmlns:xsi="http://www.w3.org/2001/XMLSchema-instance" xmlns:pc="http://schemas.microsoft.com/office/infopath/2007/PartnerControls">
+  <documentManagement>
+    <_activity xmlns="ba0413fe-f7ed-4f31-86b3-604f36c8969b" xsi:nil="true"/>
+  </documentManagement>
+</p:properties>
 </file>
 
-<file path=customXml/itemProps3.xml><?xml version="1.0" encoding="utf-8"?>
+<file path=customXml/itemProps1.xml><?xml version="1.0" encoding="utf-8"?>
 <ds:datastoreItem xmlns:ds="http://schemas.openxmlformats.org/officeDocument/2006/customXml" ds:itemID="{CA1218AC-7E80-4FDE-AFAE-7AF2B3B5F17E}">
   <ds:schemaRefs>
     <ds:schemaRef ds:uri="http://schemas.microsoft.com/office/2006/metadata/contentType"/>
@@ -10047,4 +10134,29 @@
     <ds:schemaRef ds:uri="http://schemas.microsoft.com/internal/obd"/>
   </ds:schemaRefs>
 </ds:datastoreItem>
+</file>
+
+<file path=customXml/itemProps2.xml><?xml version="1.0" encoding="utf-8"?>
+<ds:datastoreItem xmlns:ds="http://schemas.openxmlformats.org/officeDocument/2006/customXml" ds:itemID="{726645DE-732E-459D-90DF-0504FD0086F1}">
+  <ds:schemaRefs>
+    <ds:schemaRef ds:uri="http://schemas.microsoft.com/sharepoint/v3/contenttype/forms"/>
+  </ds:schemaRefs>
+</ds:datastoreItem>
+</file>
+
+<file path=customXml/itemProps3.xml><?xml version="1.0" encoding="utf-8"?>
+<ds:datastoreItem xmlns:ds="http://schemas.openxmlformats.org/officeDocument/2006/customXml" ds:itemID="{24DF5C8C-DA56-47FB-8D30-F2B916ED1667}">
+  <ds:schemaRefs>
+    <ds:schemaRef ds:uri="http://schemas.microsoft.com/office/infopath/2007/PartnerControls"/>
+    <ds:schemaRef ds:uri="http://purl.org/dc/elements/1.1/"/>
+    <ds:schemaRef ds:uri="ba0413fe-f7ed-4f31-86b3-604f36c8969b"/>
+    <ds:schemaRef ds:uri="http://www.w3.org/XML/1998/namespace"/>
+    <ds:schemaRef ds:uri="92dda3c8-4091-4562-8eec-6722f66cd08c"/>
+    <ds:schemaRef ds:uri="http://purl.org/dc/dcmitype/"/>
+    <ds:schemaRef ds:uri="http://schemas.openxmlformats.org/package/2006/metadata/core-properties"/>
+    <ds:schemaRef ds:uri="http://schemas.microsoft.com/office/2006/documentManagement/types"/>
+    <ds:schemaRef ds:uri="http://schemas.microsoft.com/office/2006/metadata/properties"/>
+    <ds:schemaRef ds:uri="http://purl.org/dc/terms/"/>
+  </ds:schemaRefs>
+</ds:datastoreItem>
 </file>